--- a/2023/2023-04/2023-04-09/solution.pptx
+++ b/2023/2023-04/2023-04-09/solution.pptx
@@ -6,6 +6,7 @@
   </p:sldMasterIdLst>
   <p:sldIdLst>
     <p:sldId id="261" r:id="rId2"/>
+    <p:sldId id="262" r:id="rId3"/>
   </p:sldIdLst>
   <p:sldSz cx="12192000" cy="6858000"/>
   <p:notesSz cx="6858000" cy="9144000"/>
@@ -6651,6 +6652,132 @@
 </p:sld>
 </file>
 
+<file path=ppt/slides/slide2.xml><?xml version="1.0" encoding="utf-8"?>
+<p:sld xmlns:a="http://schemas.openxmlformats.org/drawingml/2006/main" xmlns:r="http://schemas.openxmlformats.org/officeDocument/2006/relationships" xmlns:p="http://schemas.openxmlformats.org/presentationml/2006/main">
+  <p:cSld>
+    <p:spTree>
+      <p:nvGrpSpPr>
+        <p:cNvPr id="1" name=""/>
+        <p:cNvGrpSpPr/>
+        <p:nvPr/>
+      </p:nvGrpSpPr>
+      <p:grpSpPr>
+        <a:xfrm>
+          <a:off x="0" y="0"/>
+          <a:ext cx="0" cy="0"/>
+          <a:chOff x="0" y="0"/>
+          <a:chExt cx="0" cy="0"/>
+        </a:xfrm>
+      </p:grpSpPr>
+      <p:sp>
+        <p:nvSpPr>
+          <p:cNvPr id="2" name="Title 1">
+            <a:extLst>
+              <a:ext uri="{FF2B5EF4-FFF2-40B4-BE49-F238E27FC236}">
+                <a16:creationId xmlns:a16="http://schemas.microsoft.com/office/drawing/2014/main" id="{D85768E9-5DC6-9E64-CA3F-957914FCA385}"/>
+              </a:ext>
+            </a:extLst>
+          </p:cNvPr>
+          <p:cNvSpPr>
+            <a:spLocks noGrp="1"/>
+          </p:cNvSpPr>
+          <p:nvPr>
+            <p:ph type="title"/>
+          </p:nvPr>
+        </p:nvSpPr>
+        <p:spPr/>
+        <p:txBody>
+          <a:bodyPr/>
+          <a:lstStyle/>
+          <a:p>
+            <a:r>
+              <a:rPr lang="en-US" dirty="0"/>
+              <a:t>Bonus Question Solution</a:t>
+            </a:r>
+          </a:p>
+        </p:txBody>
+      </p:sp>
+      <p:sp>
+        <p:nvSpPr>
+          <p:cNvPr id="3" name="Content Placeholder 2">
+            <a:extLst>
+              <a:ext uri="{FF2B5EF4-FFF2-40B4-BE49-F238E27FC236}">
+                <a16:creationId xmlns:a16="http://schemas.microsoft.com/office/drawing/2014/main" id="{090FCAC1-757B-EBE0-DA3C-89BDA6CC6A3A}"/>
+              </a:ext>
+            </a:extLst>
+          </p:cNvPr>
+          <p:cNvSpPr>
+            <a:spLocks noGrp="1"/>
+          </p:cNvSpPr>
+          <p:nvPr>
+            <p:ph idx="1"/>
+          </p:nvPr>
+        </p:nvSpPr>
+        <p:spPr/>
+        <p:txBody>
+          <a:bodyPr/>
+          <a:lstStyle/>
+          <a:p>
+            <a:r>
+              <a:rPr lang="en-US" dirty="0"/>
+              <a:t>From 3x3 grid, we see the number</a:t>
+            </a:r>
+          </a:p>
+          <a:p>
+            <a:pPr lvl="1"/>
+            <a:r>
+              <a:rPr lang="en-US" dirty="0"/>
+              <a:t>1, 4, 9</a:t>
+            </a:r>
+          </a:p>
+          <a:p>
+            <a:r>
+              <a:rPr lang="en-US" dirty="0"/>
+              <a:t>Which is 1 x 1 + 2 x 2 + 3 x 3</a:t>
+            </a:r>
+          </a:p>
+          <a:p>
+            <a:r>
+              <a:rPr lang="en-US" dirty="0"/>
+              <a:t>Verify the pattern </a:t>
+            </a:r>
+            <a:r>
+              <a:rPr lang="en-US"/>
+              <a:t>with 2x2 and 4x4 </a:t>
+            </a:r>
+            <a:r>
+              <a:rPr lang="en-US" dirty="0"/>
+              <a:t>grid</a:t>
+            </a:r>
+          </a:p>
+          <a:p>
+            <a:r>
+              <a:rPr lang="en-US" dirty="0"/>
+              <a:t>So, for 8x8 grid, we have</a:t>
+            </a:r>
+          </a:p>
+          <a:p>
+            <a:pPr lvl="1"/>
+            <a:r>
+              <a:rPr lang="en-US" dirty="0"/>
+              <a:t>1 + 4 + 9 + 16 + 25 + 36 + 49 + 64 = 204</a:t>
+            </a:r>
+          </a:p>
+        </p:txBody>
+      </p:sp>
+    </p:spTree>
+    <p:extLst>
+      <p:ext uri="{BB962C8B-B14F-4D97-AF65-F5344CB8AC3E}">
+        <p14:creationId xmlns:p14="http://schemas.microsoft.com/office/powerpoint/2010/main" val="620050808"/>
+      </p:ext>
+    </p:extLst>
+  </p:cSld>
+  <p:clrMapOvr>
+    <a:masterClrMapping/>
+  </p:clrMapOvr>
+</p:sld>
+</file>
+
 <file path=ppt/theme/theme1.xml><?xml version="1.0" encoding="utf-8"?>
 <a:theme xmlns:a="http://schemas.openxmlformats.org/drawingml/2006/main" name="Organic">
   <a:themeElements>
